--- a/Lernkarten/Level3 - Gruppen-Bau-Challenge.pptx
+++ b/Lernkarten/Level3 - Gruppen-Bau-Challenge.pptx
@@ -203,7 +203,7 @@
           <a:p>
             <a:fld id="{DD7A25D8-F173-4133-85F8-CB962D678EB5}" type="datetimeFigureOut">
               <a:rPr lang="de-DE" smtClean="0"/>
-              <a:t>22.12.21</a:t>
+              <a:t>07.01.22</a:t>
             </a:fld>
             <a:endParaRPr lang="de-DE"/>
           </a:p>
@@ -609,7 +609,7 @@
           <a:p>
             <a:fld id="{FC9269F9-6F79-4414-A84E-D81C6C443C37}" type="datetimeFigureOut">
               <a:rPr lang="de-DE" smtClean="0"/>
-              <a:t>22.12.21</a:t>
+              <a:t>07.01.22</a:t>
             </a:fld>
             <a:endParaRPr lang="de-DE"/>
           </a:p>
@@ -1438,7 +1438,10 @@
             <a:avLst/>
           </a:prstGeom>
           <a:solidFill>
-            <a:srgbClr val="47BEE9"/>
+            <a:schemeClr val="accent5">
+              <a:lumMod val="20000"/>
+              <a:lumOff val="80000"/>
+            </a:schemeClr>
           </a:solidFill>
           <a:ln>
             <a:noFill/>
@@ -1490,16 +1493,24 @@
           <a:bodyPr anchor="t"/>
           <a:lstStyle>
             <a:lvl1pPr>
-              <a:defRPr>
+              <a:defRPr b="0" cap="none" spc="0">
+                <a:ln w="0"/>
                 <a:solidFill>
-                  <a:schemeClr val="bg1"/>
+                  <a:schemeClr val="tx1"/>
                 </a:solidFill>
+                <a:effectLst>
+                  <a:outerShdw blurRad="38100" dist="19050" dir="2700000" algn="tl" rotWithShape="0">
+                    <a:schemeClr val="dk1">
+                      <a:alpha val="40000"/>
+                    </a:schemeClr>
+                  </a:outerShdw>
+                </a:effectLst>
               </a:defRPr>
             </a:lvl1pPr>
           </a:lstStyle>
           <a:p>
             <a:r>
-              <a:rPr lang="de-DE"/>
+              <a:rPr lang="de-DE" dirty="0"/>
               <a:t>Mastertitelformat bearbeiten</a:t>
             </a:r>
             <a:endParaRPr lang="en-US" dirty="0"/>
@@ -1729,10 +1740,18 @@
           <a:lstStyle>
             <a:lvl1pPr marL="0" indent="0">
               <a:buNone/>
-              <a:defRPr sz="1600" b="1">
+              <a:defRPr sz="1600" b="0" cap="none" spc="0">
+                <a:ln w="0"/>
                 <a:solidFill>
-                  <a:schemeClr val="bg1"/>
+                  <a:schemeClr val="tx1"/>
                 </a:solidFill>
+                <a:effectLst>
+                  <a:outerShdw blurRad="38100" dist="19050" dir="2700000" algn="tl" rotWithShape="0">
+                    <a:schemeClr val="dk1">
+                      <a:alpha val="40000"/>
+                    </a:schemeClr>
+                  </a:outerShdw>
+                </a:effectLst>
               </a:defRPr>
             </a:lvl1pPr>
           </a:lstStyle>
@@ -3656,7 +3675,9 @@
             <a:avLst/>
           </a:prstGeom>
           <a:solidFill>
-            <a:schemeClr val="accent3"/>
+            <a:schemeClr val="bg1">
+              <a:lumMod val="85000"/>
+            </a:schemeClr>
           </a:solidFill>
           <a:ln>
             <a:noFill/>
@@ -3682,30 +3703,102 @@
           <a:p>
             <a:pPr algn="ctr"/>
             <a:r>
-              <a:rPr lang="de-DE" b="1" dirty="0"/>
+              <a:rPr lang="de-DE" b="0" cap="none" spc="0" dirty="0">
+                <a:ln w="0"/>
+                <a:solidFill>
+                  <a:schemeClr val="tx1"/>
+                </a:solidFill>
+                <a:effectLst>
+                  <a:outerShdw blurRad="38100" dist="19050" dir="2700000" algn="tl" rotWithShape="0">
+                    <a:schemeClr val="dk1">
+                      <a:alpha val="40000"/>
+                    </a:schemeClr>
+                  </a:outerShdw>
+                </a:effectLst>
+              </a:rPr>
               <a:t>Veröffentlicht</a:t>
             </a:r>
             <a:r>
-              <a:rPr lang="de-DE" b="1" baseline="0" dirty="0"/>
+              <a:rPr lang="de-DE" b="0" cap="none" spc="0" baseline="0" dirty="0">
+                <a:ln w="0"/>
+                <a:solidFill>
+                  <a:schemeClr val="tx1"/>
+                </a:solidFill>
+                <a:effectLst>
+                  <a:outerShdw blurRad="38100" dist="19050" dir="2700000" algn="tl" rotWithShape="0">
+                    <a:schemeClr val="dk1">
+                      <a:alpha val="40000"/>
+                    </a:schemeClr>
+                  </a:outerShdw>
+                </a:effectLst>
+              </a:rPr>
               <a:t> unter CC BY SA</a:t>
             </a:r>
           </a:p>
           <a:p>
             <a:pPr algn="ctr"/>
-            <a:endParaRPr lang="de-DE" b="0" baseline="0" dirty="0"/>
+            <a:endParaRPr lang="de-DE" b="0" cap="none" spc="0" baseline="0" dirty="0">
+              <a:ln w="0"/>
+              <a:solidFill>
+                <a:schemeClr val="tx1"/>
+              </a:solidFill>
+              <a:effectLst>
+                <a:outerShdw blurRad="38100" dist="19050" dir="2700000" algn="tl" rotWithShape="0">
+                  <a:schemeClr val="dk1">
+                    <a:alpha val="40000"/>
+                  </a:schemeClr>
+                </a:outerShdw>
+              </a:effectLst>
+            </a:endParaRPr>
           </a:p>
           <a:p>
             <a:pPr algn="ctr"/>
             <a:r>
-              <a:rPr lang="de-DE" b="0" dirty="0"/>
+              <a:rPr lang="de-DE" b="0" cap="none" spc="0" dirty="0">
+                <a:ln w="0"/>
+                <a:solidFill>
+                  <a:schemeClr val="tx1"/>
+                </a:solidFill>
+                <a:effectLst>
+                  <a:outerShdw blurRad="38100" dist="19050" dir="2700000" algn="tl" rotWithShape="0">
+                    <a:schemeClr val="dk1">
+                      <a:alpha val="40000"/>
+                    </a:schemeClr>
+                  </a:outerShdw>
+                </a:effectLst>
+              </a:rPr>
               <a:t>Dieses Werk ist unter einer Creative </a:t>
             </a:r>
             <a:r>
-              <a:rPr lang="de-DE" b="0" dirty="0" err="1"/>
+              <a:rPr lang="de-DE" b="0" cap="none" spc="0" dirty="0" err="1">
+                <a:ln w="0"/>
+                <a:solidFill>
+                  <a:schemeClr val="tx1"/>
+                </a:solidFill>
+                <a:effectLst>
+                  <a:outerShdw blurRad="38100" dist="19050" dir="2700000" algn="tl" rotWithShape="0">
+                    <a:schemeClr val="dk1">
+                      <a:alpha val="40000"/>
+                    </a:schemeClr>
+                  </a:outerShdw>
+                </a:effectLst>
+              </a:rPr>
               <a:t>Commons</a:t>
             </a:r>
             <a:r>
-              <a:rPr lang="de-DE" b="0" dirty="0"/>
+              <a:rPr lang="de-DE" b="0" cap="none" spc="0" dirty="0">
+                <a:ln w="0"/>
+                <a:solidFill>
+                  <a:schemeClr val="tx1"/>
+                </a:solidFill>
+                <a:effectLst>
+                  <a:outerShdw blurRad="38100" dist="19050" dir="2700000" algn="tl" rotWithShape="0">
+                    <a:schemeClr val="dk1">
+                      <a:alpha val="40000"/>
+                    </a:schemeClr>
+                  </a:outerShdw>
+                </a:effectLst>
+              </a:rPr>
               <a:t> Lizenz vom Typ Namensnennung - Weitergabe unter gleichen Bedingungen 4.0 International zugänglich. </a:t>
             </a:r>
           </a:p>
@@ -3990,7 +4083,7 @@
           <a:p>
             <a:fld id="{FC9269F9-6F79-4414-A84E-D81C6C443C37}" type="datetimeFigureOut">
               <a:rPr lang="de-DE" smtClean="0"/>
-              <a:t>22.12.21</a:t>
+              <a:t>07.01.22</a:t>
             </a:fld>
             <a:endParaRPr lang="de-DE"/>
           </a:p>
@@ -4383,7 +4476,7 @@
           <a:p>
             <a:fld id="{FC9269F9-6F79-4414-A84E-D81C6C443C37}" type="datetimeFigureOut">
               <a:rPr lang="de-DE" smtClean="0"/>
-              <a:t>22.12.21</a:t>
+              <a:t>07.01.22</a:t>
             </a:fld>
             <a:endParaRPr lang="de-DE"/>
           </a:p>
@@ -6422,7 +6515,10 @@
             <a:avLst/>
           </a:prstGeom>
           <a:solidFill>
-            <a:srgbClr val="47BEE9"/>
+            <a:schemeClr val="accent5">
+              <a:lumMod val="20000"/>
+              <a:lumOff val="80000"/>
+            </a:schemeClr>
           </a:solidFill>
         </p:spPr>
         <p:style>
@@ -7724,7 +7820,10 @@
             <a:avLst/>
           </a:prstGeom>
           <a:solidFill>
-            <a:srgbClr val="62BBA0"/>
+            <a:schemeClr val="accent4">
+              <a:lumMod val="20000"/>
+              <a:lumOff val="80000"/>
+            </a:schemeClr>
           </a:solidFill>
         </p:spPr>
         <p:style>
